--- a/IRP Paper/posterTemplate.pptx
+++ b/IRP Paper/posterTemplate.pptx
@@ -1253,7 +1253,7 @@
         <p:txBody>
           <a:bodyPr bIns="45000" lIns="90000" rIns="90000" tIns="45000"/>
           <a:p>
-            <a:fld id="{A1111111-F1C1-4141-B121-01E1A131D141}" type="slidenum">
+            <a:fld id="{D13111E1-3141-4191-9101-C1813101D111}" type="slidenum">
               <a:rPr lang="en-US" sz="8600">
                 <a:solidFill>
                   <a:srgbClr val="000000"/>
@@ -1679,7 +1679,7 @@
         <p:spPr>
           <a:xfrm>
             <a:off x="1600200" y="8073360"/>
-            <a:ext cx="8229240" cy="40141080"/>
+            <a:ext cx="8229240" cy="41304240"/>
           </a:xfrm>
           <a:prstGeom prst="rect">
             <a:avLst/>
@@ -1791,7 +1791,7 @@
                 </a:solidFill>
                 <a:latin typeface="Arial"/>
               </a:rPr>
-              <a:t>The surface of the expanding flame front can be dramatically affected by multiple types of turbulence (Landau 1959), (Kull 1991). This turbulence can contort the deflagration front in a supernova. </a:t>
+              <a:t>The surface of the expanding flame front can be dramatically affected by multiple types of turbulence (Landau 1959), (Kull 1991). This turbulence can contort the deflagration front in a supernova and increase its effective surface area, and because the flame speed is proportional to the flame's surface area, the convolution of the surface can influence the rate at which the flame consumes the star. Thus, characterizing the shape of the flame front plays a crucial part in characterizing the supernova explosion process as a whole. </a:t>
             </a:r>
             <a:endParaRPr/>
           </a:p>
@@ -1806,11 +1806,24 @@
                 </a:solidFill>
                 <a:latin typeface="Arial"/>
               </a:rPr>
-              <a:t>These wrinkles on the surface of the flame front increase the front's effective surface area, and because the flame speed is proportional to the flame's surface area, the convolution of the surface can influence the rate at which the flame consumes the star. Thus, characterizing the shape of the flame front plays a crucial part in characterizing the supernova explosion process as a whole. </a:t>
-            </a:r>
-            <a:endParaRPr/>
-          </a:p>
-          <a:p>
+              <a:t>These wrinkles on the surface of a turbulent front can be viewed within the framework of fractal geometry, as was proposed by \cite{Mandelbrot1975} and further developed by \cite{Timmes1994}. Furthermore, \cite{Timmes1994} showed that the final effective speed of the flame front is a function of its density.</a:t>
+            </a:r>
+            <a:endParaRPr/>
+          </a:p>
+          <a:p>
+            <a:endParaRPr/>
+          </a:p>
+          <a:p>
+            <a:pPr algn="ctr"/>
+            <a:r>
+              <a:rPr i="1" lang="en-US" sz="3600">
+                <a:solidFill>
+                  <a:srgbClr val="000000"/>
+                </a:solidFill>
+                <a:latin typeface="Arial"/>
+              </a:rPr>
+              <a:t>Multifractal analysis of dense molecular clouds</a:t>
+            </a:r>
             <a:endParaRPr/>
           </a:p>
           <a:p>
@@ -1821,30 +1834,8 @@
                 </a:solidFill>
                 <a:latin typeface="Arial"/>
               </a:rPr>
-              <a:t>These wrinkles on the surface of a turbulent front can be viewed within the framework of fractal geometry, as was proposed by \cite{Mandelbrot1975} and further developed by \cite{Timmes1994}. Furthermore, \cite{Timmes1994} showed that the final effective speed of the flame front is a function of its density.</a:t>
-            </a:r>
-            <a:endParaRPr/>
-          </a:p>
-          <a:p>
-            <a:endParaRPr/>
-          </a:p>
-          <a:p>
-            <a:r>
-              <a:rPr lang="en-US" sz="3600">
-                <a:solidFill>
-                  <a:srgbClr val="000000"/>
-                </a:solidFill>
-                <a:latin typeface="Arial"/>
-              </a:rPr>
-              <a:t>In \textsection \ref{FractalMethods}, a method is implemented to perform fractal analysis of a supernova flame front. The results are discussed in \textsection \ref{FractalResults}, and the implications of the calculated fractal dimension are discussed in \textsection \ref{FractalDiscussion}.</a:t>
-            </a:r>
-            <a:endParaRPr/>
-          </a:p>
-          <a:p>
-            <a:endParaRPr/>
-          </a:p>
-          <a:p>
-            <a:pPr algn="just"/>
+              <a:t>Probably a paragraph or two here.</a:t>
+            </a:r>
             <a:endParaRPr/>
           </a:p>
           <a:p>

--- a/IRP Paper/posterTemplate.pptx
+++ b/IRP Paper/posterTemplate.pptx
@@ -1253,7 +1253,7 @@
         <p:txBody>
           <a:bodyPr bIns="45000" lIns="90000" rIns="90000" tIns="45000"/>
           <a:p>
-            <a:fld id="{D13111E1-3141-4191-9101-C1813101D111}" type="slidenum">
+            <a:fld id="{E1711101-31F1-4181-B121-519131D16191}" type="slidenum">
               <a:rPr lang="en-US" sz="8600">
                 <a:solidFill>
                   <a:srgbClr val="000000"/>
@@ -1442,8 +1442,8 @@
         </p:nvSpPr>
         <p:spPr>
           <a:xfrm>
-            <a:off x="1005840" y="1143000"/>
-            <a:ext cx="41970960" cy="3389400"/>
+            <a:off x="1005840" y="1005840"/>
+            <a:ext cx="41970960" cy="3016440"/>
           </a:xfrm>
           <a:prstGeom prst="rect">
             <a:avLst/>
@@ -1451,38 +1451,32 @@
           <a:solidFill>
             <a:srgbClr val="ffffff"/>
           </a:solidFill>
-          <a:ln w="25560">
-            <a:solidFill>
-              <a:srgbClr val="000000"/>
-            </a:solidFill>
-            <a:round/>
-          </a:ln>
         </p:spPr>
         <p:txBody>
           <a:bodyPr bIns="45000" lIns="90000" rIns="90000" tIns="45000"/>
           <a:p>
             <a:pPr algn="ctr"/>
             <a:r>
-              <a:rPr lang="en-US" sz="8000">
+              <a:rPr lang="en-US" sz="9600">
                 <a:solidFill>
                   <a:srgbClr val="000000"/>
                 </a:solidFill>
                 <a:latin typeface="Calibri"/>
               </a:rPr>
-              <a:t>Fractal and Multifractal Analysis as Tools to </a:t>
+              <a:t>Fractal and Multifractal Analysis as Tools to Characterize </a:t>
             </a:r>
             <a:endParaRPr/>
           </a:p>
           <a:p>
             <a:pPr algn="ctr"/>
             <a:r>
-              <a:rPr lang="en-US" sz="8000">
+              <a:rPr lang="en-US" sz="9600">
                 <a:solidFill>
                   <a:srgbClr val="000000"/>
                 </a:solidFill>
                 <a:latin typeface="Calibri"/>
               </a:rPr>
-              <a:t>Characterize Supernovae and Molecular Clouds</a:t>
+              <a:t>Supernovae and Molecular Clouds</a:t>
             </a:r>
             <a:endParaRPr/>
           </a:p>
@@ -1496,7 +1490,7 @@
         </p:nvSpPr>
         <p:spPr>
           <a:xfrm>
-            <a:off x="1005840" y="3798720"/>
+            <a:off x="1005840" y="4188600"/>
             <a:ext cx="41970960" cy="1755000"/>
           </a:xfrm>
           <a:prstGeom prst="rect">
@@ -1505,12 +1499,6 @@
           <a:solidFill>
             <a:srgbClr val="ffffff"/>
           </a:solidFill>
-          <a:ln w="25560">
-            <a:solidFill>
-              <a:srgbClr val="000000"/>
-            </a:solidFill>
-            <a:round/>
-          </a:ln>
         </p:spPr>
         <p:txBody>
           <a:bodyPr bIns="45000" lIns="90000" rIns="90000" tIns="45000"/>
@@ -1524,6 +1512,15 @@
                 <a:latin typeface="Calibri"/>
               </a:rPr>
               <a:t>Samuel Brenner</a:t>
+            </a:r>
+            <a:r>
+              <a:rPr lang="en-US" sz="8000">
+                <a:solidFill>
+                  <a:srgbClr val="000000"/>
+                </a:solidFill>
+                <a:latin typeface="Calibri"/>
+              </a:rPr>
+              <a:t>1</a:t>
             </a:r>
             <a:endParaRPr/>
           </a:p>
@@ -1537,49 +1534,8 @@
         </p:nvSpPr>
         <p:spPr>
           <a:xfrm>
-            <a:off x="1005840" y="5739840"/>
-            <a:ext cx="41970960" cy="1346760"/>
-          </a:xfrm>
-          <a:prstGeom prst="rect">
-            <a:avLst/>
-          </a:prstGeom>
-          <a:solidFill>
-            <a:srgbClr val="ffffff"/>
-          </a:solidFill>
-          <a:ln w="25560">
-            <a:solidFill>
-              <a:srgbClr val="000000"/>
-            </a:solidFill>
-            <a:round/>
-          </a:ln>
-        </p:spPr>
-        <p:txBody>
-          <a:bodyPr bIns="45000" lIns="90000" rIns="90000" tIns="45000"/>
-          <a:p>
-            <a:pPr algn="ctr"/>
-            <a:r>
-              <a:rPr lang="en-US" sz="6000">
-                <a:solidFill>
-                  <a:srgbClr val="000000"/>
-                </a:solidFill>
-                <a:latin typeface="Calibri"/>
-              </a:rPr>
-              <a:t>Affiliations</a:t>
-            </a:r>
-            <a:endParaRPr/>
-          </a:p>
-        </p:txBody>
-      </p:sp>
-      <p:sp>
-        <p:nvSpPr>
-          <p:cNvPr id="40" name="CustomShape 4"/>
-          <p:cNvSpPr/>
-          <p:nvPr/>
-        </p:nvSpPr>
-        <p:spPr>
-          <a:xfrm>
-            <a:off x="914400" y="7086600"/>
-            <a:ext cx="9600840" cy="24840720"/>
+            <a:off x="914400" y="5943600"/>
+            <a:ext cx="9966960" cy="25983720"/>
           </a:xfrm>
           <a:prstGeom prst="rect">
             <a:avLst/>
@@ -1597,14 +1553,14 @@
       </p:sp>
       <p:sp>
         <p:nvSpPr>
-          <p:cNvPr id="41" name="CustomShape 5"/>
+          <p:cNvPr id="40" name="CustomShape 4"/>
           <p:cNvSpPr/>
           <p:nvPr/>
         </p:nvSpPr>
         <p:spPr>
           <a:xfrm>
-            <a:off x="33299280" y="7086600"/>
-            <a:ext cx="9600840" cy="24840720"/>
+            <a:off x="32918400" y="5943600"/>
+            <a:ext cx="9981720" cy="25983720"/>
           </a:xfrm>
           <a:prstGeom prst="rect">
             <a:avLst/>
@@ -1622,14 +1578,14 @@
       </p:sp>
       <p:sp>
         <p:nvSpPr>
-          <p:cNvPr id="42" name="CustomShape 6"/>
+          <p:cNvPr id="41" name="CustomShape 5"/>
           <p:cNvSpPr/>
           <p:nvPr/>
         </p:nvSpPr>
         <p:spPr>
           <a:xfrm>
-            <a:off x="22504320" y="7086600"/>
-            <a:ext cx="9600840" cy="24840720"/>
+            <a:off x="22219920" y="5943600"/>
+            <a:ext cx="10241280" cy="25983720"/>
           </a:xfrm>
           <a:prstGeom prst="rect">
             <a:avLst/>
@@ -1647,14 +1603,14 @@
       </p:sp>
       <p:sp>
         <p:nvSpPr>
-          <p:cNvPr id="43" name="CustomShape 7"/>
+          <p:cNvPr id="42" name="CustomShape 6"/>
           <p:cNvSpPr/>
           <p:nvPr/>
         </p:nvSpPr>
         <p:spPr>
           <a:xfrm>
-            <a:off x="11709360" y="7086600"/>
-            <a:ext cx="9600840" cy="24840720"/>
+            <a:off x="11338560" y="5943600"/>
+            <a:ext cx="10424160" cy="25983720"/>
           </a:xfrm>
           <a:prstGeom prst="rect">
             <a:avLst/>
@@ -1672,14 +1628,189 @@
       </p:sp>
       <p:sp>
         <p:nvSpPr>
+          <p:cNvPr id="43" name="CustomShape 7"/>
+          <p:cNvSpPr/>
+          <p:nvPr/>
+        </p:nvSpPr>
+        <p:spPr>
+          <a:xfrm>
+            <a:off x="1554480" y="6544800"/>
+            <a:ext cx="8777880" cy="40638240"/>
+          </a:xfrm>
+          <a:prstGeom prst="rect">
+            <a:avLst/>
+          </a:prstGeom>
+          <a:solidFill>
+            <a:srgbClr val="c6d9f1"/>
+          </a:solidFill>
+        </p:spPr>
+        <p:txBody>
+          <a:bodyPr bIns="45000" lIns="90000" rIns="90000" tIns="45000"/>
+          <a:p>
+            <a:pPr algn="ctr"/>
+            <a:r>
+              <a:rPr b="1" lang="en-US" sz="3600">
+                <a:solidFill>
+                  <a:srgbClr val="000000"/>
+                </a:solidFill>
+                <a:latin typeface="Arial"/>
+              </a:rPr>
+              <a:t>Introduction</a:t>
+            </a:r>
+            <a:endParaRPr/>
+          </a:p>
+          <a:p>
+            <a:pPr algn="just"/>
+            <a:r>
+              <a:rPr lang="en-US" sz="3600">
+                <a:solidFill>
+                  <a:srgbClr val="000000"/>
+                </a:solidFill>
+                <a:latin typeface="Arial"/>
+              </a:rPr>
+              <a:t>Many physical phenomena cannot be characterized by the idealizations of Euclidean geometry alone; they exhibit “roughness''--a detailed structure at any arbitrarily small size scale (Falconer 2003). The development of fractal geometry allows a mathematical treatment of the roughness inherent in the non-idealized phenomena of the real world. </a:t>
+            </a:r>
+            <a:endParaRPr/>
+          </a:p>
+          <a:p>
+            <a:pPr algn="just"/>
+            <a:endParaRPr/>
+          </a:p>
+          <a:p>
+            <a:pPr algn="just"/>
+            <a:r>
+              <a:rPr lang="en-US" sz="3600">
+                <a:solidFill>
+                  <a:srgbClr val="000000"/>
+                </a:solidFill>
+                <a:latin typeface="Arial"/>
+              </a:rPr>
+              <a:t>Multifractal analysis permits us to examine how those fractal characteristics themselves change with scale; in fact, they may even be fractal themselves. In this poster, we detail the application of fractal geometry to flame fronts in white dwarfs and then analyze the multifractal characteristics of star-forming molecular clouds.</a:t>
+            </a:r>
+            <a:endParaRPr/>
+          </a:p>
+          <a:p>
+            <a:pPr algn="ctr"/>
+            <a:endParaRPr/>
+          </a:p>
+          <a:p>
+            <a:pPr algn="ctr"/>
+            <a:r>
+              <a:rPr i="1" lang="en-US" sz="3600">
+                <a:solidFill>
+                  <a:srgbClr val="000000"/>
+                </a:solidFill>
+                <a:latin typeface="Arial"/>
+              </a:rPr>
+              <a:t>Fractal analysis of type Ia supernova flame fronts</a:t>
+            </a:r>
+            <a:endParaRPr/>
+          </a:p>
+          <a:p>
+            <a:pPr algn="just"/>
+            <a:r>
+              <a:rPr lang="en-US" sz="3600">
+                <a:solidFill>
+                  <a:srgbClr val="000000"/>
+                </a:solidFill>
+                <a:latin typeface="Arial"/>
+              </a:rPr>
+              <a:t>Type Ia supernovae are caused when heavier elements in a white dwarf's core ignite in a thermonuclear flame which spreads rapidly throughout the star.</a:t>
+            </a:r>
+            <a:endParaRPr/>
+          </a:p>
+          <a:p>
+            <a:pPr algn="just"/>
+            <a:endParaRPr/>
+          </a:p>
+          <a:p>
+            <a:pPr algn="just"/>
+            <a:r>
+              <a:rPr lang="en-US" sz="3600">
+                <a:solidFill>
+                  <a:srgbClr val="000000"/>
+                </a:solidFill>
+                <a:latin typeface="Arial"/>
+              </a:rPr>
+              <a:t>The surface of the expanding flame front can be dramatically affected by multiple types of turbulence, which can contort the burning front in a supernova and increase its effective surface area, in turn increasing the rate at which the flame consumes the star </a:t>
+            </a:r>
+            <a:r>
+              <a:rPr lang="en-US" sz="3600">
+                <a:solidFill>
+                  <a:srgbClr val="000000"/>
+                </a:solidFill>
+                <a:latin typeface="Arial"/>
+              </a:rPr>
+              <a:t>(Landau 1959), (Kull 1991)</a:t>
+            </a:r>
+            <a:r>
+              <a:rPr lang="en-US" sz="3600">
+                <a:solidFill>
+                  <a:srgbClr val="000000"/>
+                </a:solidFill>
+                <a:latin typeface="Arial"/>
+              </a:rPr>
+              <a:t>. Thus, using fractal geometry  to characterize the shape of the flame front plays a crucial part in characterizing the supernova explosion process as a whole. </a:t>
+            </a:r>
+            <a:endParaRPr/>
+          </a:p>
+          <a:p>
+            <a:pPr algn="just"/>
+            <a:r>
+              <a:rPr lang="en-US" sz="3600">
+                <a:solidFill>
+                  <a:srgbClr val="000000"/>
+                </a:solidFill>
+                <a:latin typeface="Arial"/>
+              </a:rPr>
+              <a:t>.</a:t>
+            </a:r>
+            <a:endParaRPr/>
+          </a:p>
+          <a:p>
+            <a:endParaRPr/>
+          </a:p>
+          <a:p>
+            <a:pPr algn="ctr"/>
+            <a:r>
+              <a:rPr i="1" lang="en-US" sz="3600">
+                <a:solidFill>
+                  <a:srgbClr val="000000"/>
+                </a:solidFill>
+                <a:latin typeface="Arial"/>
+              </a:rPr>
+              <a:t>Multifractal analysis of dense molecular clouds</a:t>
+            </a:r>
+            <a:endParaRPr/>
+          </a:p>
+          <a:p>
+            <a:r>
+              <a:rPr lang="en-US" sz="3600">
+                <a:solidFill>
+                  <a:srgbClr val="000000"/>
+                </a:solidFill>
+                <a:latin typeface="Arial"/>
+              </a:rPr>
+              <a:t>Probably a paragraph or two here.</a:t>
+            </a:r>
+            <a:endParaRPr/>
+          </a:p>
+          <a:p>
+            <a:pPr algn="just"/>
+            <a:endParaRPr/>
+          </a:p>
+        </p:txBody>
+      </p:sp>
+      <p:sp>
+        <p:nvSpPr>
           <p:cNvPr id="44" name="CustomShape 8"/>
           <p:cNvSpPr/>
           <p:nvPr/>
         </p:nvSpPr>
         <p:spPr>
           <a:xfrm>
-            <a:off x="1600200" y="8073360"/>
-            <a:ext cx="8229240" cy="41304240"/>
+            <a:off x="11887200" y="6622560"/>
+            <a:ext cx="9418320" cy="24649920"/>
           </a:xfrm>
           <a:prstGeom prst="rect">
             <a:avLst/>
@@ -1699,7 +1830,7 @@
                 </a:solidFill>
                 <a:latin typeface="Arial"/>
               </a:rPr>
-              <a:t>Introduction</a:t>
+              <a:t>Methods</a:t>
             </a:r>
             <a:endParaRPr/>
           </a:p>
@@ -1712,17 +1843,16 @@
                 </a:solidFill>
                 <a:latin typeface="Arial"/>
               </a:rPr>
-              <a:t>Many physical phenomena cannot be characterized by the idealizations of Euclidean geometry alone; they exhibit ``roughness''. That is, they have a detailed structure at any arbitrarily small size scale (Falconer 2003). The development of </a:t>
-            </a:r>
-            <a:r>
-              <a:rPr i="1" lang="en-US" sz="3600">
-                <a:solidFill>
-                  <a:srgbClr val="000000"/>
-                </a:solidFill>
-                <a:latin typeface="Arial"/>
-              </a:rPr>
-              <a:t>fractal geometry</a:t>
-            </a:r>
+              <a:t>Ne quis omittantur nam. Ut qui eirmod malorum, labitur explicari ad pro. Sint verterem consectetuer te ius, veniam munere et nam. Vix duis decore explicari ne, sea fugit percipit aliquando et. Animal legimus torquatos te mea, ad sint falli bonorum vix. Ius in facer iudico appareat, no elitr voluptatum est. Velit tamquam sensibus id his.</a:t>
+            </a:r>
+            <a:endParaRPr/>
+          </a:p>
+          <a:p>
+            <a:pPr algn="just"/>
+            <a:endParaRPr/>
+          </a:p>
+          <a:p>
+            <a:pPr algn="just"/>
             <a:r>
               <a:rPr lang="en-US" sz="3600">
                 <a:solidFill>
@@ -1730,7 +1860,7 @@
                 </a:solidFill>
                 <a:latin typeface="Arial"/>
               </a:rPr>
-              <a:t> allows a mathematical treatment of the “roughness” inherent in the non-idealized phenomena of the real world. </a:t>
+              <a:t>Ex graeco accusata mediocritatem vel, mel id lobortis intellegam. Eam natum concludaturque ei, no vide soluta percipitur nam. Vel ipsum labores in, labore omittam pri in. Nec utamur prompta mediocritatem eu, id per aeterno rationibus. His an tale periculis.</a:t>
             </a:r>
             <a:endParaRPr/>
           </a:p>
@@ -1747,28 +1877,16 @@
                 </a:solidFill>
                 <a:latin typeface="Arial"/>
               </a:rPr>
-              <a:t>Multifractal analysis permits us to examine how those fractal characteristics themselves change with scale; in fact, they may even be fractal themselves. In this poster, we detail the application of fractal geometry to flame fronts in white dwarfs and then analyze the multifractal characteristics of star-forming molecular clouds.</a:t>
-            </a:r>
-            <a:endParaRPr/>
-          </a:p>
-          <a:p>
-            <a:pPr algn="ctr"/>
-            <a:endParaRPr/>
-          </a:p>
-          <a:p>
-            <a:pPr algn="ctr"/>
-            <a:r>
-              <a:rPr i="1" lang="en-US" sz="3600">
-                <a:solidFill>
-                  <a:srgbClr val="000000"/>
-                </a:solidFill>
-                <a:latin typeface="Arial"/>
-              </a:rPr>
-              <a:t>Fractal analysis of type Ia supernova flame fronts</a:t>
-            </a:r>
-            <a:endParaRPr/>
-          </a:p>
-          <a:p>
+              <a:t>Cum admodum gubergren reformidans te, an impetus phaedrum nam, eu consulatu reprehendunt mea. Referrentur repudiandae ei sit, in est atqui liber. Ut pro iriure imperdiet, vix nostro albucius periculis ea. Erat insolens interpretaris mei ad, eos vitae sanctus molestie eu. Ullum officiis vivendum ut sit, ferri eruditi adipiscing ne per, an legimus suavitate forensibus pro.</a:t>
+            </a:r>
+            <a:endParaRPr/>
+          </a:p>
+          <a:p>
+            <a:pPr algn="just"/>
+            <a:endParaRPr/>
+          </a:p>
+          <a:p>
+            <a:pPr algn="just"/>
             <a:r>
               <a:rPr lang="en-US" sz="3600">
                 <a:solidFill>
@@ -1776,70 +1894,8 @@
                 </a:solidFill>
                 <a:latin typeface="Arial"/>
               </a:rPr>
-              <a:t>The accepted model for a type Ia supernova is a white dwarf that grows so large that the compression of the heavier elements in the core causes them to ignite in a thermonuclear flame. This deflagration results in a flame front that spreads rapidly throughout the star and causes the supernova.</a:t>
-            </a:r>
-            <a:endParaRPr/>
-          </a:p>
-          <a:p>
-            <a:endParaRPr/>
-          </a:p>
-          <a:p>
-            <a:r>
-              <a:rPr lang="en-US" sz="3600">
-                <a:solidFill>
-                  <a:srgbClr val="000000"/>
-                </a:solidFill>
-                <a:latin typeface="Arial"/>
-              </a:rPr>
-              <a:t>The surface of the expanding flame front can be dramatically affected by multiple types of turbulence (Landau 1959), (Kull 1991). This turbulence can contort the deflagration front in a supernova and increase its effective surface area, and because the flame speed is proportional to the flame's surface area, the convolution of the surface can influence the rate at which the flame consumes the star. Thus, characterizing the shape of the flame front plays a crucial part in characterizing the supernova explosion process as a whole. </a:t>
-            </a:r>
-            <a:endParaRPr/>
-          </a:p>
-          <a:p>
-            <a:endParaRPr/>
-          </a:p>
-          <a:p>
-            <a:r>
-              <a:rPr lang="en-US" sz="3600">
-                <a:solidFill>
-                  <a:srgbClr val="000000"/>
-                </a:solidFill>
-                <a:latin typeface="Arial"/>
-              </a:rPr>
-              <a:t>These wrinkles on the surface of a turbulent front can be viewed within the framework of fractal geometry, as was proposed by \cite{Mandelbrot1975} and further developed by \cite{Timmes1994}. Furthermore, \cite{Timmes1994} showed that the final effective speed of the flame front is a function of its density.</a:t>
-            </a:r>
-            <a:endParaRPr/>
-          </a:p>
-          <a:p>
-            <a:endParaRPr/>
-          </a:p>
-          <a:p>
-            <a:pPr algn="ctr"/>
-            <a:r>
-              <a:rPr i="1" lang="en-US" sz="3600">
-                <a:solidFill>
-                  <a:srgbClr val="000000"/>
-                </a:solidFill>
-                <a:latin typeface="Arial"/>
-              </a:rPr>
-              <a:t>Multifractal analysis of dense molecular clouds</a:t>
-            </a:r>
-            <a:endParaRPr/>
-          </a:p>
-          <a:p>
-            <a:r>
-              <a:rPr lang="en-US" sz="3600">
-                <a:solidFill>
-                  <a:srgbClr val="000000"/>
-                </a:solidFill>
-                <a:latin typeface="Arial"/>
-              </a:rPr>
-              <a:t>Probably a paragraph or two here.</a:t>
-            </a:r>
-            <a:endParaRPr/>
-          </a:p>
-          <a:p>
-            <a:pPr algn="just"/>
+              <a:t>Per ei natum interpretaris, te mel populo recusabo. Eros omnesque lucilius cum ne. Veri eripuit assentior mei ne, et accusam periculis eos. Eam accusamus sadipscing cu, adipisci salutandi dissentiunt ex nam, meliore suscipit reformidans at nec. Ea mundi tation vim, ad graeco saperet sed. No sumo aliquam cum, sit vidisse consulatu cu.</a:t>
+            </a:r>
             <a:endParaRPr/>
           </a:p>
         </p:txBody>
@@ -1852,8 +1908,8 @@
         </p:nvSpPr>
         <p:spPr>
           <a:xfrm>
-            <a:off x="12395160" y="8153280"/>
-            <a:ext cx="8229240" cy="22584600"/>
+            <a:off x="22860000" y="6766560"/>
+            <a:ext cx="9144000" cy="24505920"/>
           </a:xfrm>
           <a:prstGeom prst="rect">
             <a:avLst/>
@@ -1861,11 +1917,6 @@
           <a:solidFill>
             <a:srgbClr val="c6d9f1"/>
           </a:solidFill>
-          <a:ln>
-            <a:solidFill>
-              <a:srgbClr val="4f81bd"/>
-            </a:solidFill>
-          </a:ln>
         </p:spPr>
         <p:txBody>
           <a:bodyPr bIns="45000" lIns="90000" rIns="90000" tIns="45000"/>
@@ -1878,7 +1929,7 @@
                 </a:solidFill>
                 <a:latin typeface="Arial"/>
               </a:rPr>
-              <a:t>Methods</a:t>
+              <a:t>Results</a:t>
             </a:r>
             <a:endParaRPr/>
           </a:p>
@@ -1956,107 +2007,8 @@
         </p:nvSpPr>
         <p:spPr>
           <a:xfrm>
-            <a:off x="23190120" y="8153280"/>
-            <a:ext cx="8229240" cy="22584600"/>
-          </a:xfrm>
-          <a:prstGeom prst="rect">
-            <a:avLst/>
-          </a:prstGeom>
-          <a:solidFill>
-            <a:srgbClr val="c6d9f1"/>
-          </a:solidFill>
-        </p:spPr>
-        <p:txBody>
-          <a:bodyPr bIns="45000" lIns="90000" rIns="90000" tIns="45000"/>
-          <a:p>
-            <a:pPr algn="ctr"/>
-            <a:r>
-              <a:rPr b="1" lang="en-US" sz="3600">
-                <a:solidFill>
-                  <a:srgbClr val="000000"/>
-                </a:solidFill>
-                <a:latin typeface="Arial"/>
-              </a:rPr>
-              <a:t>Results</a:t>
-            </a:r>
-            <a:endParaRPr/>
-          </a:p>
-          <a:p>
-            <a:pPr algn="just"/>
-            <a:r>
-              <a:rPr lang="en-US" sz="3600">
-                <a:solidFill>
-                  <a:srgbClr val="000000"/>
-                </a:solidFill>
-                <a:latin typeface="Arial"/>
-              </a:rPr>
-              <a:t>Ne quis omittantur nam. Ut qui eirmod malorum, labitur explicari ad pro. Sint verterem consectetuer te ius, veniam munere et nam. Vix duis decore explicari ne, sea fugit percipit aliquando et. Animal legimus torquatos te mea, ad sint falli bonorum vix. Ius in facer iudico appareat, no elitr voluptatum est. Velit tamquam sensibus id his.</a:t>
-            </a:r>
-            <a:endParaRPr/>
-          </a:p>
-          <a:p>
-            <a:pPr algn="just"/>
-            <a:endParaRPr/>
-          </a:p>
-          <a:p>
-            <a:pPr algn="just"/>
-            <a:r>
-              <a:rPr lang="en-US" sz="3600">
-                <a:solidFill>
-                  <a:srgbClr val="000000"/>
-                </a:solidFill>
-                <a:latin typeface="Arial"/>
-              </a:rPr>
-              <a:t>Ex graeco accusata mediocritatem vel, mel id lobortis intellegam. Eam natum concludaturque ei, no vide soluta percipitur nam. Vel ipsum labores in, labore omittam pri in. Nec utamur prompta mediocritatem eu, id per aeterno rationibus. His an tale periculis.</a:t>
-            </a:r>
-            <a:endParaRPr/>
-          </a:p>
-          <a:p>
-            <a:pPr algn="just"/>
-            <a:endParaRPr/>
-          </a:p>
-          <a:p>
-            <a:pPr algn="just"/>
-            <a:r>
-              <a:rPr lang="en-US" sz="3600">
-                <a:solidFill>
-                  <a:srgbClr val="000000"/>
-                </a:solidFill>
-                <a:latin typeface="Arial"/>
-              </a:rPr>
-              <a:t>Cum admodum gubergren reformidans te, an impetus phaedrum nam, eu consulatu reprehendunt mea. Referrentur repudiandae ei sit, in est atqui liber. Ut pro iriure imperdiet, vix nostro albucius periculis ea. Erat insolens interpretaris mei ad, eos vitae sanctus molestie eu. Ullum officiis vivendum ut sit, ferri eruditi adipiscing ne per, an legimus suavitate forensibus pro.</a:t>
-            </a:r>
-            <a:endParaRPr/>
-          </a:p>
-          <a:p>
-            <a:pPr algn="just"/>
-            <a:endParaRPr/>
-          </a:p>
-          <a:p>
-            <a:pPr algn="just"/>
-            <a:r>
-              <a:rPr lang="en-US" sz="3600">
-                <a:solidFill>
-                  <a:srgbClr val="000000"/>
-                </a:solidFill>
-                <a:latin typeface="Arial"/>
-              </a:rPr>
-              <a:t>Per ei natum interpretaris, te mel populo recusabo. Eros omnesque lucilius cum ne. Veri eripuit assentior mei ne, et accusam periculis eos. Eam accusamus sadipscing cu, adipisci salutandi dissentiunt ex nam, meliore suscipit reformidans at nec. Ea mundi tation vim, ad graeco saperet sed. No sumo aliquam cum, sit vidisse consulatu cu.</a:t>
-            </a:r>
-            <a:endParaRPr/>
-          </a:p>
-        </p:txBody>
-      </p:sp>
-      <p:sp>
-        <p:nvSpPr>
-          <p:cNvPr id="47" name="CustomShape 11"/>
-          <p:cNvSpPr/>
-          <p:nvPr/>
-        </p:nvSpPr>
-        <p:spPr>
-          <a:xfrm>
-            <a:off x="33985080" y="8121960"/>
-            <a:ext cx="8229240" cy="22584600"/>
+            <a:off x="33558480" y="6766560"/>
+            <a:ext cx="8655840" cy="23940000"/>
           </a:xfrm>
           <a:prstGeom prst="rect">
             <a:avLst/>

--- a/IRP Paper/posterTemplate.pptx
+++ b/IRP Paper/posterTemplate.pptx
@@ -1253,7 +1253,7 @@
         <p:txBody>
           <a:bodyPr bIns="45000" lIns="90000" rIns="90000" tIns="45000"/>
           <a:p>
-            <a:fld id="{E1711101-31F1-4181-B121-519131D16191}" type="slidenum">
+            <a:fld id="{01314181-6151-41E1-B1D1-718151D1C171}" type="slidenum">
               <a:rPr lang="en-US" sz="8600">
                 <a:solidFill>
                   <a:srgbClr val="000000"/>
@@ -1756,15 +1756,6 @@
           </a:p>
           <a:p>
             <a:pPr algn="just"/>
-            <a:r>
-              <a:rPr lang="en-US" sz="3600">
-                <a:solidFill>
-                  <a:srgbClr val="000000"/>
-                </a:solidFill>
-                <a:latin typeface="Arial"/>
-              </a:rPr>
-              <a:t>.</a:t>
-            </a:r>
             <a:endParaRPr/>
           </a:p>
           <a:p>
@@ -2093,6 +2084,23 @@
                 <a:latin typeface="Arial"/>
               </a:rPr>
               <a:t>Per ei natum interpretaris, te mel populo recusabo. Eros omnesque lucilius cum ne. Veri eripuit assentior mei ne, et accusam periculis eos. Eam accusamus sadipscing cu, adipisci salutandi dissentiunt ex nam, meliore suscipit reformidans at nec. Ea mundi tation vim, ad graeco saperet sed. No sumo aliquam cum, sit vidisse consulatu cu.</a:t>
+            </a:r>
+            <a:endParaRPr/>
+          </a:p>
+          <a:p>
+            <a:pPr algn="just"/>
+            <a:endParaRPr/>
+          </a:p>
+          <a:p>
+            <a:pPr algn="just"/>
+            <a:r>
+              <a:rPr lang="en-US" sz="3600">
+                <a:solidFill>
+                  <a:srgbClr val="000000"/>
+                </a:solidFill>
+                <a:latin typeface="Arial"/>
+              </a:rPr>
+              <a:t>Acknowledgments and references!</a:t>
             </a:r>
             <a:endParaRPr/>
           </a:p>
